--- a/assets/logo.pptx
+++ b/assets/logo.pptx
@@ -244,7 +244,7 @@
           <a:p>
             <a:fld id="{C72EF2B5-33C3-4547-AC96-FA31269FF8EC}" type="datetimeFigureOut">
               <a:rPr lang="fr-FR" smtClean="0"/>
-              <a:t>05/12/2025</a:t>
+              <a:t>28/01/2026</a:t>
             </a:fld>
             <a:endParaRPr lang="fr-FR"/>
           </a:p>
@@ -286,7 +286,7 @@
           <a:p>
             <a:fld id="{239E97B0-847B-0143-BC47-5E357E53CE3D}" type="slidenum">
               <a:rPr lang="fr-FR" smtClean="0"/>
-              <a:t>‹N°›</a:t>
+              <a:t>‹#›</a:t>
             </a:fld>
             <a:endParaRPr lang="fr-FR"/>
           </a:p>
@@ -414,7 +414,7 @@
           <a:p>
             <a:fld id="{C72EF2B5-33C3-4547-AC96-FA31269FF8EC}" type="datetimeFigureOut">
               <a:rPr lang="fr-FR" smtClean="0"/>
-              <a:t>05/12/2025</a:t>
+              <a:t>28/01/2026</a:t>
             </a:fld>
             <a:endParaRPr lang="fr-FR"/>
           </a:p>
@@ -456,7 +456,7 @@
           <a:p>
             <a:fld id="{239E97B0-847B-0143-BC47-5E357E53CE3D}" type="slidenum">
               <a:rPr lang="fr-FR" smtClean="0"/>
-              <a:t>‹N°›</a:t>
+              <a:t>‹#›</a:t>
             </a:fld>
             <a:endParaRPr lang="fr-FR"/>
           </a:p>
@@ -594,7 +594,7 @@
           <a:p>
             <a:fld id="{C72EF2B5-33C3-4547-AC96-FA31269FF8EC}" type="datetimeFigureOut">
               <a:rPr lang="fr-FR" smtClean="0"/>
-              <a:t>05/12/2025</a:t>
+              <a:t>28/01/2026</a:t>
             </a:fld>
             <a:endParaRPr lang="fr-FR"/>
           </a:p>
@@ -636,7 +636,7 @@
           <a:p>
             <a:fld id="{239E97B0-847B-0143-BC47-5E357E53CE3D}" type="slidenum">
               <a:rPr lang="fr-FR" smtClean="0"/>
-              <a:t>‹N°›</a:t>
+              <a:t>‹#›</a:t>
             </a:fld>
             <a:endParaRPr lang="fr-FR"/>
           </a:p>
@@ -764,7 +764,7 @@
           <a:p>
             <a:fld id="{C72EF2B5-33C3-4547-AC96-FA31269FF8EC}" type="datetimeFigureOut">
               <a:rPr lang="fr-FR" smtClean="0"/>
-              <a:t>05/12/2025</a:t>
+              <a:t>28/01/2026</a:t>
             </a:fld>
             <a:endParaRPr lang="fr-FR"/>
           </a:p>
@@ -806,7 +806,7 @@
           <a:p>
             <a:fld id="{239E97B0-847B-0143-BC47-5E357E53CE3D}" type="slidenum">
               <a:rPr lang="fr-FR" smtClean="0"/>
-              <a:t>‹N°›</a:t>
+              <a:t>‹#›</a:t>
             </a:fld>
             <a:endParaRPr lang="fr-FR"/>
           </a:p>
@@ -1010,7 +1010,7 @@
           <a:p>
             <a:fld id="{C72EF2B5-33C3-4547-AC96-FA31269FF8EC}" type="datetimeFigureOut">
               <a:rPr lang="fr-FR" smtClean="0"/>
-              <a:t>05/12/2025</a:t>
+              <a:t>28/01/2026</a:t>
             </a:fld>
             <a:endParaRPr lang="fr-FR"/>
           </a:p>
@@ -1052,7 +1052,7 @@
           <a:p>
             <a:fld id="{239E97B0-847B-0143-BC47-5E357E53CE3D}" type="slidenum">
               <a:rPr lang="fr-FR" smtClean="0"/>
-              <a:t>‹N°›</a:t>
+              <a:t>‹#›</a:t>
             </a:fld>
             <a:endParaRPr lang="fr-FR"/>
           </a:p>
@@ -1242,7 +1242,7 @@
           <a:p>
             <a:fld id="{C72EF2B5-33C3-4547-AC96-FA31269FF8EC}" type="datetimeFigureOut">
               <a:rPr lang="fr-FR" smtClean="0"/>
-              <a:t>05/12/2025</a:t>
+              <a:t>28/01/2026</a:t>
             </a:fld>
             <a:endParaRPr lang="fr-FR"/>
           </a:p>
@@ -1284,7 +1284,7 @@
           <a:p>
             <a:fld id="{239E97B0-847B-0143-BC47-5E357E53CE3D}" type="slidenum">
               <a:rPr lang="fr-FR" smtClean="0"/>
-              <a:t>‹N°›</a:t>
+              <a:t>‹#›</a:t>
             </a:fld>
             <a:endParaRPr lang="fr-FR"/>
           </a:p>
@@ -1609,7 +1609,7 @@
           <a:p>
             <a:fld id="{C72EF2B5-33C3-4547-AC96-FA31269FF8EC}" type="datetimeFigureOut">
               <a:rPr lang="fr-FR" smtClean="0"/>
-              <a:t>05/12/2025</a:t>
+              <a:t>28/01/2026</a:t>
             </a:fld>
             <a:endParaRPr lang="fr-FR"/>
           </a:p>
@@ -1651,7 +1651,7 @@
           <a:p>
             <a:fld id="{239E97B0-847B-0143-BC47-5E357E53CE3D}" type="slidenum">
               <a:rPr lang="fr-FR" smtClean="0"/>
-              <a:t>‹N°›</a:t>
+              <a:t>‹#›</a:t>
             </a:fld>
             <a:endParaRPr lang="fr-FR"/>
           </a:p>
@@ -1727,7 +1727,7 @@
           <a:p>
             <a:fld id="{C72EF2B5-33C3-4547-AC96-FA31269FF8EC}" type="datetimeFigureOut">
               <a:rPr lang="fr-FR" smtClean="0"/>
-              <a:t>05/12/2025</a:t>
+              <a:t>28/01/2026</a:t>
             </a:fld>
             <a:endParaRPr lang="fr-FR"/>
           </a:p>
@@ -1769,7 +1769,7 @@
           <a:p>
             <a:fld id="{239E97B0-847B-0143-BC47-5E357E53CE3D}" type="slidenum">
               <a:rPr lang="fr-FR" smtClean="0"/>
-              <a:t>‹N°›</a:t>
+              <a:t>‹#›</a:t>
             </a:fld>
             <a:endParaRPr lang="fr-FR"/>
           </a:p>
@@ -1822,7 +1822,7 @@
           <a:p>
             <a:fld id="{C72EF2B5-33C3-4547-AC96-FA31269FF8EC}" type="datetimeFigureOut">
               <a:rPr lang="fr-FR" smtClean="0"/>
-              <a:t>05/12/2025</a:t>
+              <a:t>28/01/2026</a:t>
             </a:fld>
             <a:endParaRPr lang="fr-FR"/>
           </a:p>
@@ -1864,7 +1864,7 @@
           <a:p>
             <a:fld id="{239E97B0-847B-0143-BC47-5E357E53CE3D}" type="slidenum">
               <a:rPr lang="fr-FR" smtClean="0"/>
-              <a:t>‹N°›</a:t>
+              <a:t>‹#›</a:t>
             </a:fld>
             <a:endParaRPr lang="fr-FR"/>
           </a:p>
@@ -2099,7 +2099,7 @@
           <a:p>
             <a:fld id="{C72EF2B5-33C3-4547-AC96-FA31269FF8EC}" type="datetimeFigureOut">
               <a:rPr lang="fr-FR" smtClean="0"/>
-              <a:t>05/12/2025</a:t>
+              <a:t>28/01/2026</a:t>
             </a:fld>
             <a:endParaRPr lang="fr-FR"/>
           </a:p>
@@ -2141,7 +2141,7 @@
           <a:p>
             <a:fld id="{239E97B0-847B-0143-BC47-5E357E53CE3D}" type="slidenum">
               <a:rPr lang="fr-FR" smtClean="0"/>
-              <a:t>‹N°›</a:t>
+              <a:t>‹#›</a:t>
             </a:fld>
             <a:endParaRPr lang="fr-FR"/>
           </a:p>
@@ -2356,7 +2356,7 @@
           <a:p>
             <a:fld id="{C72EF2B5-33C3-4547-AC96-FA31269FF8EC}" type="datetimeFigureOut">
               <a:rPr lang="fr-FR" smtClean="0"/>
-              <a:t>05/12/2025</a:t>
+              <a:t>28/01/2026</a:t>
             </a:fld>
             <a:endParaRPr lang="fr-FR"/>
           </a:p>
@@ -2398,7 +2398,7 @@
           <a:p>
             <a:fld id="{239E97B0-847B-0143-BC47-5E357E53CE3D}" type="slidenum">
               <a:rPr lang="fr-FR" smtClean="0"/>
-              <a:t>‹N°›</a:t>
+              <a:t>‹#›</a:t>
             </a:fld>
             <a:endParaRPr lang="fr-FR"/>
           </a:p>
@@ -2572,7 +2572,7 @@
           <a:p>
             <a:fld id="{C72EF2B5-33C3-4547-AC96-FA31269FF8EC}" type="datetimeFigureOut">
               <a:rPr lang="fr-FR" smtClean="0"/>
-              <a:t>05/12/2025</a:t>
+              <a:t>28/01/2026</a:t>
             </a:fld>
             <a:endParaRPr lang="fr-FR"/>
           </a:p>
@@ -2650,7 +2650,7 @@
           <a:p>
             <a:fld id="{239E97B0-847B-0143-BC47-5E357E53CE3D}" type="slidenum">
               <a:rPr lang="fr-FR" smtClean="0"/>
-              <a:t>‹N°›</a:t>
+              <a:t>‹#›</a:t>
             </a:fld>
             <a:endParaRPr lang="fr-FR"/>
           </a:p>
